--- a/Calendario2023/presentaciones/18_Expresiones_regulares.pptx
+++ b/Calendario2023/presentaciones/18_Expresiones_regulares.pptx
@@ -258,7 +258,7 @@
           <a:p>
             <a:fld id="{DDE721D5-655F-45D2-B717-3C4CD78C8568}" type="datetimeFigureOut">
               <a:rPr lang="es-MX" smtClean="0"/>
-              <a:t>31/08/2022</a:t>
+              <a:t>08/03/2023</a:t>
             </a:fld>
             <a:endParaRPr lang="es-MX" dirty="0"/>
           </a:p>
@@ -4823,7 +4823,7 @@
           <a:p>
             <a:fld id="{B3F3E716-CACC-4490-AD07-F24B6A68DE47}" type="datetimeFigureOut">
               <a:rPr lang="es-MX" smtClean="0"/>
-              <a:t>31/08/2022</a:t>
+              <a:t>08/03/2023</a:t>
             </a:fld>
             <a:endParaRPr lang="es-MX" dirty="0"/>
           </a:p>
@@ -4993,7 +4993,7 @@
           <a:p>
             <a:fld id="{B3F3E716-CACC-4490-AD07-F24B6A68DE47}" type="datetimeFigureOut">
               <a:rPr lang="es-MX" smtClean="0"/>
-              <a:t>31/08/2022</a:t>
+              <a:t>08/03/2023</a:t>
             </a:fld>
             <a:endParaRPr lang="es-MX" dirty="0"/>
           </a:p>
@@ -5173,7 +5173,7 @@
           <a:p>
             <a:fld id="{B3F3E716-CACC-4490-AD07-F24B6A68DE47}" type="datetimeFigureOut">
               <a:rPr lang="es-MX" smtClean="0"/>
-              <a:t>31/08/2022</a:t>
+              <a:t>08/03/2023</a:t>
             </a:fld>
             <a:endParaRPr lang="es-MX" dirty="0"/>
           </a:p>
@@ -5326,7 +5326,7 @@
           <a:p>
             <a:fld id="{1D8BD707-D9CF-40AE-B4C6-C98DA3205C09}" type="datetimeFigureOut">
               <a:rPr lang="en-US" smtClean="0"/>
-              <a:t>8/31/2022</a:t>
+              <a:t>3/8/2023</a:t>
             </a:fld>
             <a:endParaRPr lang="en-US" dirty="0"/>
           </a:p>
@@ -5486,7 +5486,7 @@
           <a:p>
             <a:fld id="{B3F3E716-CACC-4490-AD07-F24B6A68DE47}" type="datetimeFigureOut">
               <a:rPr lang="es-MX" smtClean="0"/>
-              <a:t>31/08/2022</a:t>
+              <a:t>08/03/2023</a:t>
             </a:fld>
             <a:endParaRPr lang="es-MX" dirty="0"/>
           </a:p>
@@ -5732,7 +5732,7 @@
           <a:p>
             <a:fld id="{B3F3E716-CACC-4490-AD07-F24B6A68DE47}" type="datetimeFigureOut">
               <a:rPr lang="es-MX" smtClean="0"/>
-              <a:t>31/08/2022</a:t>
+              <a:t>08/03/2023</a:t>
             </a:fld>
             <a:endParaRPr lang="es-MX" dirty="0"/>
           </a:p>
@@ -6020,7 +6020,7 @@
           <a:p>
             <a:fld id="{B3F3E716-CACC-4490-AD07-F24B6A68DE47}" type="datetimeFigureOut">
               <a:rPr lang="es-MX" smtClean="0"/>
-              <a:t>31/08/2022</a:t>
+              <a:t>08/03/2023</a:t>
             </a:fld>
             <a:endParaRPr lang="es-MX" dirty="0"/>
           </a:p>
@@ -6442,7 +6442,7 @@
           <a:p>
             <a:fld id="{B3F3E716-CACC-4490-AD07-F24B6A68DE47}" type="datetimeFigureOut">
               <a:rPr lang="es-MX" smtClean="0"/>
-              <a:t>31/08/2022</a:t>
+              <a:t>08/03/2023</a:t>
             </a:fld>
             <a:endParaRPr lang="es-MX" dirty="0"/>
           </a:p>
@@ -6560,7 +6560,7 @@
           <a:p>
             <a:fld id="{B3F3E716-CACC-4490-AD07-F24B6A68DE47}" type="datetimeFigureOut">
               <a:rPr lang="es-MX" smtClean="0"/>
-              <a:t>31/08/2022</a:t>
+              <a:t>08/03/2023</a:t>
             </a:fld>
             <a:endParaRPr lang="es-MX" dirty="0"/>
           </a:p>
@@ -6655,7 +6655,7 @@
           <a:p>
             <a:fld id="{B3F3E716-CACC-4490-AD07-F24B6A68DE47}" type="datetimeFigureOut">
               <a:rPr lang="es-MX" smtClean="0"/>
-              <a:t>31/08/2022</a:t>
+              <a:t>08/03/2023</a:t>
             </a:fld>
             <a:endParaRPr lang="es-MX" dirty="0"/>
           </a:p>
@@ -6932,7 +6932,7 @@
           <a:p>
             <a:fld id="{B3F3E716-CACC-4490-AD07-F24B6A68DE47}" type="datetimeFigureOut">
               <a:rPr lang="es-MX" smtClean="0"/>
-              <a:t>31/08/2022</a:t>
+              <a:t>08/03/2023</a:t>
             </a:fld>
             <a:endParaRPr lang="es-MX" dirty="0"/>
           </a:p>
@@ -7185,7 +7185,7 @@
           <a:p>
             <a:fld id="{B3F3E716-CACC-4490-AD07-F24B6A68DE47}" type="datetimeFigureOut">
               <a:rPr lang="es-MX" smtClean="0"/>
-              <a:t>31/08/2022</a:t>
+              <a:t>08/03/2023</a:t>
             </a:fld>
             <a:endParaRPr lang="es-MX" dirty="0"/>
           </a:p>
@@ -7398,7 +7398,7 @@
           <a:p>
             <a:fld id="{B3F3E716-CACC-4490-AD07-F24B6A68DE47}" type="datetimeFigureOut">
               <a:rPr lang="es-MX" smtClean="0"/>
-              <a:t>31/08/2022</a:t>
+              <a:t>08/03/2023</a:t>
             </a:fld>
             <a:endParaRPr lang="es-MX" dirty="0"/>
           </a:p>
@@ -18718,7 +18718,7 @@
         </p:blipFill>
         <p:spPr>
           <a:xfrm>
-            <a:off x="78801" y="6251336"/>
+            <a:off x="342900" y="6283121"/>
             <a:ext cx="8458200" cy="685800"/>
           </a:xfrm>
           <a:prstGeom prst="rect">
